--- a/2102_SYSTEM.pptx
+++ b/2102_SYSTEM.pptx
@@ -10337,6 +10337,30 @@
           </a:p>
         </p:txBody>
       </p:sp>
+      <p:pic>
+        <p:nvPicPr>
+          <p:cNvPr id="4" name="图片 3"/>
+          <p:cNvPicPr>
+            <a:picLocks noChangeAspect="1"/>
+          </p:cNvPicPr>
+          <p:nvPr/>
+        </p:nvPicPr>
+        <p:blipFill>
+          <a:blip r:embed="rId2"/>
+          <a:stretch>
+            <a:fillRect/>
+          </a:stretch>
+        </p:blipFill>
+        <p:spPr>
+          <a:xfrm>
+            <a:off x="1001688" y="1633696"/>
+            <a:ext cx="5762008" cy="3539746"/>
+          </a:xfrm>
+          <a:prstGeom prst="rect">
+            <a:avLst/>
+          </a:prstGeom>
+        </p:spPr>
+      </p:pic>
     </p:spTree>
     <p:extLst>
       <p:ext uri="{BB962C8B-B14F-4D97-AF65-F5344CB8AC3E}">
@@ -12618,7 +12642,7 @@
               <a:t>2. </a:t>
             </a:r>
             <a:r>
-              <a:rPr lang="en-US" altLang="zh-CN" sz="2000" dirty="0" smtClean="0">
+              <a:rPr lang="zh-CN" altLang="en-US" sz="2000" dirty="0" smtClean="0">
                 <a:solidFill>
                   <a:srgbClr val="FFFFFF"/>
                 </a:solidFill>
@@ -12626,7 +12650,7 @@
                 <a:ea typeface="微软雅黑" panose="020B0503020204020204" pitchFamily="34" charset="-122"/>
                 <a:sym typeface="微软雅黑" panose="020B0503020204020204" pitchFamily="34" charset="-122"/>
               </a:rPr>
-              <a:t>.</a:t>
+              <a:t>由于内核层较严谨，很多代码必须扣细节，</a:t>
             </a:r>
             <a:endParaRPr lang="en-US" altLang="zh-CN" sz="2000" dirty="0" smtClean="0">
               <a:solidFill>
@@ -12644,7 +12668,7 @@
               </a:lnSpc>
             </a:pPr>
             <a:r>
-              <a:rPr lang="en-US" altLang="zh-CN" sz="2000" dirty="0" smtClean="0">
+              <a:rPr lang="en-US" altLang="zh-CN" sz="2000" dirty="0">
                 <a:solidFill>
                   <a:srgbClr val="FFFFFF"/>
                 </a:solidFill>
@@ -12652,10 +12676,10 @@
                 <a:ea typeface="微软雅黑" panose="020B0503020204020204" pitchFamily="34" charset="-122"/>
                 <a:sym typeface="微软雅黑" panose="020B0503020204020204" pitchFamily="34" charset="-122"/>
               </a:rPr>
-              <a:t>3. </a:t>
-            </a:r>
-            <a:r>
-              <a:rPr lang="en-US" altLang="zh-CN" sz="2000" dirty="0">
+              <a:t>	</a:t>
+            </a:r>
+            <a:r>
+              <a:rPr lang="zh-CN" altLang="en-US" sz="2000" dirty="0" smtClean="0">
                 <a:solidFill>
                   <a:srgbClr val="FFFFFF"/>
                 </a:solidFill>
@@ -12663,7 +12687,7 @@
                 <a:ea typeface="微软雅黑" panose="020B0503020204020204" pitchFamily="34" charset="-122"/>
                 <a:sym typeface="微软雅黑" panose="020B0503020204020204" pitchFamily="34" charset="-122"/>
               </a:rPr>
-              <a:t>.</a:t>
+              <a:t>如果一不注意就会导致蓝屏。</a:t>
             </a:r>
             <a:endParaRPr lang="en-US" altLang="zh-CN" sz="2000" dirty="0" smtClean="0">
               <a:solidFill>
@@ -12689,7 +12713,7 @@
                 <a:ea typeface="微软雅黑" panose="020B0503020204020204" pitchFamily="34" charset="-122"/>
                 <a:sym typeface="微软雅黑" panose="020B0503020204020204" pitchFamily="34" charset="-122"/>
               </a:rPr>
-              <a:t>4. </a:t>
+              <a:t>3. </a:t>
             </a:r>
             <a:r>
               <a:rPr lang="en-US" altLang="zh-CN" sz="2000" dirty="0" smtClean="0">
@@ -12700,7 +12724,18 @@
                 <a:ea typeface="微软雅黑" panose="020B0503020204020204" pitchFamily="34" charset="-122"/>
                 <a:sym typeface="微软雅黑" panose="020B0503020204020204" pitchFamily="34" charset="-122"/>
               </a:rPr>
-              <a:t>.</a:t>
+              <a:t>R3R0</a:t>
+            </a:r>
+            <a:r>
+              <a:rPr lang="zh-CN" altLang="en-US" sz="2000" dirty="0" smtClean="0">
+                <a:solidFill>
+                  <a:srgbClr val="FFFFFF"/>
+                </a:solidFill>
+                <a:latin typeface="微软雅黑" panose="020B0503020204020204" pitchFamily="34" charset="-122"/>
+                <a:ea typeface="微软雅黑" panose="020B0503020204020204" pitchFamily="34" charset="-122"/>
+                <a:sym typeface="微软雅黑" panose="020B0503020204020204" pitchFamily="34" charset="-122"/>
+              </a:rPr>
+              <a:t>之间有很多区别，刚开始写代码会很不适应。</a:t>
             </a:r>
             <a:endParaRPr lang="en-US" altLang="zh-CN" sz="2000" dirty="0" smtClean="0">
               <a:solidFill>
@@ -12712,6 +12747,43 @@
             </a:endParaRPr>
           </a:p>
           <a:p>
+            <a:pPr>
+              <a:lnSpc>
+                <a:spcPct val="150000"/>
+              </a:lnSpc>
+            </a:pPr>
+            <a:r>
+              <a:rPr lang="en-US" altLang="zh-CN" sz="2000" dirty="0" smtClean="0">
+                <a:solidFill>
+                  <a:srgbClr val="FFFFFF"/>
+                </a:solidFill>
+                <a:latin typeface="微软雅黑" panose="020B0503020204020204" pitchFamily="34" charset="-122"/>
+                <a:ea typeface="微软雅黑" panose="020B0503020204020204" pitchFamily="34" charset="-122"/>
+                <a:sym typeface="微软雅黑" panose="020B0503020204020204" pitchFamily="34" charset="-122"/>
+              </a:rPr>
+              <a:t>4. </a:t>
+            </a:r>
+            <a:r>
+              <a:rPr lang="en-US" altLang="zh-CN" sz="2000" dirty="0" smtClean="0">
+                <a:solidFill>
+                  <a:srgbClr val="FFFFFF"/>
+                </a:solidFill>
+                <a:latin typeface="微软雅黑" panose="020B0503020204020204" pitchFamily="34" charset="-122"/>
+                <a:ea typeface="微软雅黑" panose="020B0503020204020204" pitchFamily="34" charset="-122"/>
+                <a:sym typeface="微软雅黑" panose="020B0503020204020204" pitchFamily="34" charset="-122"/>
+              </a:rPr>
+              <a:t>.</a:t>
+            </a:r>
+            <a:endParaRPr lang="en-US" altLang="zh-CN" sz="2000" dirty="0" smtClean="0">
+              <a:solidFill>
+                <a:srgbClr val="FFFFFF"/>
+              </a:solidFill>
+              <a:latin typeface="微软雅黑" panose="020B0503020204020204" pitchFamily="34" charset="-122"/>
+              <a:ea typeface="微软雅黑" panose="020B0503020204020204" pitchFamily="34" charset="-122"/>
+              <a:sym typeface="微软雅黑" panose="020B0503020204020204" pitchFamily="34" charset="-122"/>
+            </a:endParaRPr>
+          </a:p>
+          <a:p>
             <a:r>
               <a:rPr lang="en-US" altLang="zh-CN" sz="2000" dirty="0" smtClean="0">
                 <a:solidFill>
@@ -12732,13 +12804,22 @@
                 <a:ea typeface="微软雅黑" panose="020B0503020204020204" pitchFamily="34" charset="-122"/>
                 <a:sym typeface="微软雅黑" panose="020B0503020204020204" pitchFamily="34" charset="-122"/>
               </a:rPr>
-              <a:t>开源地址：</a:t>
-            </a:r>
-            <a:r>
-              <a:rPr lang="en-US" altLang="zh-CN" dirty="0">
-                <a:hlinkClick r:id="rId2"/>
+              <a:t>开源地址</a:t>
+            </a:r>
+            <a:r>
+              <a:rPr lang="zh-CN" altLang="en-US" sz="2000" dirty="0" smtClean="0">
+                <a:solidFill>
+                  <a:srgbClr val="FFFFFF"/>
+                </a:solidFill>
+                <a:latin typeface="微软雅黑" panose="020B0503020204020204" pitchFamily="34" charset="-122"/>
+                <a:ea typeface="微软雅黑" panose="020B0503020204020204" pitchFamily="34" charset="-122"/>
+                <a:sym typeface="微软雅黑" panose="020B0503020204020204" pitchFamily="34" charset="-122"/>
               </a:rPr>
-              <a:t>https://github.com/mhw666/2021_Pack</a:t>
+              <a:t>：</a:t>
+            </a:r>
+            <a:r>
+              <a:rPr lang="en-US" altLang="zh-CN" dirty="0"/>
+              <a:t>https://github.com/mhw666/2102_ARK</a:t>
             </a:r>
             <a:endParaRPr lang="zh-CN" altLang="en-US" dirty="0">
               <a:solidFill>
@@ -13150,6 +13231,58 @@
                                           <p:spTgt spid="4098">
                                             <p:txEl>
                                               <p:pRg st="5" end="5"/>
+                                            </p:txEl>
+                                          </p:spTgt>
+                                        </p:tgtEl>
+                                      </p:cBhvr>
+                                    </p:animEffect>
+                                  </p:childTnLst>
+                                </p:cTn>
+                              </p:par>
+                            </p:childTnLst>
+                          </p:cTn>
+                        </p:par>
+                        <p:par>
+                          <p:cTn id="27" fill="hold">
+                            <p:stCondLst>
+                              <p:cond delay="2500"/>
+                            </p:stCondLst>
+                            <p:childTnLst>
+                              <p:par>
+                                <p:cTn id="28" presetID="10" presetClass="entr" presetSubtype="0" fill="hold" nodeType="afterEffect">
+                                  <p:stCondLst>
+                                    <p:cond delay="0"/>
+                                  </p:stCondLst>
+                                  <p:childTnLst>
+                                    <p:set>
+                                      <p:cBhvr>
+                                        <p:cTn id="29" dur="1" fill="hold">
+                                          <p:stCondLst>
+                                            <p:cond delay="0"/>
+                                          </p:stCondLst>
+                                        </p:cTn>
+                                        <p:tgtEl>
+                                          <p:spTgt spid="4098">
+                                            <p:txEl>
+                                              <p:pRg st="6" end="6"/>
+                                            </p:txEl>
+                                          </p:spTgt>
+                                        </p:tgtEl>
+                                        <p:attrNameLst>
+                                          <p:attrName>style.visibility</p:attrName>
+                                        </p:attrNameLst>
+                                      </p:cBhvr>
+                                      <p:to>
+                                        <p:strVal val="visible"/>
+                                      </p:to>
+                                    </p:set>
+                                    <p:animEffect transition="in" filter="fade">
+                                      <p:cBhvr>
+                                        <p:cTn id="30" dur="500"/>
+                                        <p:tgtEl>
+                                          <p:spTgt spid="4098">
+                                            <p:txEl>
+                                              <p:pRg st="6" end="6"/>
                                             </p:txEl>
                                           </p:spTgt>
                                         </p:tgtEl>
